--- a/Implementation/Waterfall Presentation Week 3.pptx
+++ b/Implementation/Waterfall Presentation Week 3.pptx
@@ -134,6 +134,67 @@
     </p:ext>
   </p:extLst>
 </p:presentation>
+</file>
+
+<file path=ppt/revisionInfo.xml><?xml version="1.0" encoding="utf-8"?>
+<p1510:revInfo xmlns:a="http://schemas.openxmlformats.org/drawingml/2006/main" xmlns:r="http://schemas.openxmlformats.org/officeDocument/2006/relationships" xmlns:p1510="http://schemas.microsoft.com/office/powerpoint/2015/10/main">
+  <p1510:revLst>
+    <p1510:client id="{FF3B61AA-6519-484D-B925-9557A1A46AFC}" v="2" dt="2025-03-07T16:07:56.275"/>
+  </p1510:revLst>
+</p1510:revInfo>
+</file>
+
+<file path=ppt/changesInfos/changesInfo1.xml><?xml version="1.0" encoding="utf-8"?>
+<pc:chgInfo xmlns:a="http://schemas.openxmlformats.org/drawingml/2006/main" xmlns:r="http://schemas.openxmlformats.org/officeDocument/2006/relationships" xmlns:ac="http://schemas.microsoft.com/office/drawing/2013/main/command" xmlns:pc="http://schemas.microsoft.com/office/powerpoint/2013/main/command">
+  <pc:docChgLst>
+    <pc:chgData name="Alex Peters" userId="f7b0ce54-5645-4947-890f-b55557690a5c" providerId="ADAL" clId="{FF3B61AA-6519-484D-B925-9557A1A46AFC}"/>
+    <pc:docChg chg="custSel modSld">
+      <pc:chgData name="Alex Peters" userId="f7b0ce54-5645-4947-890f-b55557690a5c" providerId="ADAL" clId="{FF3B61AA-6519-484D-B925-9557A1A46AFC}" dt="2025-03-07T16:08:07.217" v="14" actId="1076"/>
+      <pc:docMkLst>
+        <pc:docMk/>
+      </pc:docMkLst>
+      <pc:sldChg chg="addSp delSp modSp mod">
+        <pc:chgData name="Alex Peters" userId="f7b0ce54-5645-4947-890f-b55557690a5c" providerId="ADAL" clId="{FF3B61AA-6519-484D-B925-9557A1A46AFC}" dt="2025-03-07T16:08:07.217" v="14" actId="1076"/>
+        <pc:sldMkLst>
+          <pc:docMk/>
+          <pc:sldMk cId="2855514139" sldId="285"/>
+        </pc:sldMkLst>
+        <pc:picChg chg="add mod">
+          <ac:chgData name="Alex Peters" userId="f7b0ce54-5645-4947-890f-b55557690a5c" providerId="ADAL" clId="{FF3B61AA-6519-484D-B925-9557A1A46AFC}" dt="2025-03-07T16:07:50.569" v="7" actId="1076"/>
+          <ac:picMkLst>
+            <pc:docMk/>
+            <pc:sldMk cId="2855514139" sldId="285"/>
+            <ac:picMk id="4" creationId="{84EF8154-6523-B7CE-303E-F27AB2BBFA32}"/>
+          </ac:picMkLst>
+        </pc:picChg>
+        <pc:picChg chg="del">
+          <ac:chgData name="Alex Peters" userId="f7b0ce54-5645-4947-890f-b55557690a5c" providerId="ADAL" clId="{FF3B61AA-6519-484D-B925-9557A1A46AFC}" dt="2025-03-07T16:07:35.786" v="0" actId="478"/>
+          <ac:picMkLst>
+            <pc:docMk/>
+            <pc:sldMk cId="2855514139" sldId="285"/>
+            <ac:picMk id="6" creationId="{A5224648-47DE-C611-3495-B56ABF8073F1}"/>
+          </ac:picMkLst>
+        </pc:picChg>
+        <pc:picChg chg="add mod">
+          <ac:chgData name="Alex Peters" userId="f7b0ce54-5645-4947-890f-b55557690a5c" providerId="ADAL" clId="{FF3B61AA-6519-484D-B925-9557A1A46AFC}" dt="2025-03-07T16:08:07.217" v="14" actId="1076"/>
+          <ac:picMkLst>
+            <pc:docMk/>
+            <pc:sldMk cId="2855514139" sldId="285"/>
+            <ac:picMk id="7" creationId="{EBCC8D86-9468-B35B-37A4-D6C55A854E72}"/>
+          </ac:picMkLst>
+        </pc:picChg>
+        <pc:picChg chg="del">
+          <ac:chgData name="Alex Peters" userId="f7b0ce54-5645-4947-890f-b55557690a5c" providerId="ADAL" clId="{FF3B61AA-6519-484D-B925-9557A1A46AFC}" dt="2025-03-07T16:07:52.178" v="8" actId="478"/>
+          <ac:picMkLst>
+            <pc:docMk/>
+            <pc:sldMk cId="2855514139" sldId="285"/>
+            <ac:picMk id="10" creationId="{F53EF8E2-5485-9252-6027-77F39768B638}"/>
+          </ac:picMkLst>
+        </pc:picChg>
+      </pc:sldChg>
+    </pc:docChg>
+  </pc:docChgLst>
+</pc:chgInfo>
 </file>
 
 <file path=ppt/diagrams/colors1.xml><?xml version="1.0" encoding="utf-8"?>
@@ -1356,8 +1417,8 @@
   <dgm:cxnLst>
     <dgm:cxn modelId="{E2133803-CC77-47B2-9613-4F5A41D8C9F1}" type="presOf" srcId="{182A6D44-AB7D-416B-87D0-489EE36D5908}" destId="{2C504CF9-C78E-4151-88A8-BC097124C230}" srcOrd="0" destOrd="0" presId="urn:microsoft.com/office/officeart/2018/5/layout/IconCircleLabelList"/>
     <dgm:cxn modelId="{505F3239-3CFB-4B6F-B409-999D11C29124}" type="presOf" srcId="{F4814EA6-297E-45CF-BAF5-E38E654CB3FB}" destId="{66566339-E18A-4173-AF16-EE516537DBFD}" srcOrd="0" destOrd="0" presId="urn:microsoft.com/office/officeart/2018/5/layout/IconCircleLabelList"/>
+    <dgm:cxn modelId="{8B27234C-6BC0-4004-B6F2-082904B77F8E}" type="presOf" srcId="{C5BE7339-C8C7-44E7-977A-7A145A3E8EEE}" destId="{38984D4A-439D-46EF-937A-74AC1A690ACC}" srcOrd="0" destOrd="0" presId="urn:microsoft.com/office/officeart/2018/5/layout/IconCircleLabelList"/>
     <dgm:cxn modelId="{80D8D36B-C8BE-454E-B697-2D5B7FBBAEF6}" srcId="{3EEB5B31-D1C5-4296-B18F-302943A3E703}" destId="{F4814EA6-297E-45CF-BAF5-E38E654CB3FB}" srcOrd="1" destOrd="0" parTransId="{64DC5E91-7F79-4D31-96C6-383C6D2096A1}" sibTransId="{2C7CBA7D-B66E-4798-A3C9-CCD992AB198A}"/>
-    <dgm:cxn modelId="{8B27234C-6BC0-4004-B6F2-082904B77F8E}" type="presOf" srcId="{C5BE7339-C8C7-44E7-977A-7A145A3E8EEE}" destId="{38984D4A-439D-46EF-937A-74AC1A690ACC}" srcOrd="0" destOrd="0" presId="urn:microsoft.com/office/officeart/2018/5/layout/IconCircleLabelList"/>
     <dgm:cxn modelId="{F3FAC8D1-9F9E-42DF-9541-6F81D2924069}" srcId="{3EEB5B31-D1C5-4296-B18F-302943A3E703}" destId="{182A6D44-AB7D-416B-87D0-489EE36D5908}" srcOrd="0" destOrd="0" parTransId="{F9E76C24-1267-465D-9E96-933354AA4D38}" sibTransId="{03E60519-FF1F-418B-A434-65E0D67E857D}"/>
     <dgm:cxn modelId="{64E1A9DB-334E-491B-833E-AC6DE6F292FC}" srcId="{3EEB5B31-D1C5-4296-B18F-302943A3E703}" destId="{C5BE7339-C8C7-44E7-977A-7A145A3E8EEE}" srcOrd="2" destOrd="0" parTransId="{A12805E9-A4B6-43DD-86BD-1E1EE5049C9F}" sibTransId="{83355ED1-6090-4B38-A749-45C079A97BD9}"/>
     <dgm:cxn modelId="{E6B94AE7-D62D-4993-9BA0-9A3B2376AE30}" type="presOf" srcId="{3EEB5B31-D1C5-4296-B18F-302943A3E703}" destId="{EF4E9FCE-3EF7-4B9E-8886-711EDBC4E8F3}" srcOrd="0" destOrd="0" presId="urn:microsoft.com/office/officeart/2018/5/layout/IconCircleLabelList"/>
@@ -3194,7 +3255,7 @@
           <a:p>
             <a:fld id="{717BC71B-6527-4638-937B-C93EB849CB02}" type="datetimeFigureOut">
               <a:rPr lang="en-US" smtClean="0"/>
-              <a:t>3/7/2025</a:t>
+              <a:t>3/7/25</a:t>
             </a:fld>
             <a:endParaRPr lang="en-US" dirty="0"/>
           </a:p>
@@ -3371,7 +3432,7 @@
           <a:p>
             <a:fld id="{425465A2-8C9C-419F-9FD8-234480873777}" type="datetimeFigureOut">
               <a:rPr lang="en-US" smtClean="0"/>
-              <a:t>3/7/2025</a:t>
+              <a:t>3/7/25</a:t>
             </a:fld>
             <a:endParaRPr lang="en-US" dirty="0"/>
           </a:p>
@@ -4947,13 +5008,13 @@
   <p:clrMapOvr>
     <a:masterClrMapping/>
   </p:clrMapOvr>
-  <mc:AlternateContent xmlns:mc="http://schemas.openxmlformats.org/markup-compatibility/2006">
-    <mc:Choice xmlns:p14="http://schemas.microsoft.com/office/powerpoint/2010/main" Requires="p14">
+  <mc:AlternateContent xmlns:mc="http://schemas.openxmlformats.org/markup-compatibility/2006" xmlns:p14="http://schemas.microsoft.com/office/powerpoint/2010/main">
+    <mc:Choice Requires="p14">
       <p:transition spd="slow" p14:dur="1250">
         <p:fade/>
       </p:transition>
     </mc:Choice>
-    <mc:Fallback>
+    <mc:Fallback xmlns="">
       <p:transition spd="slow">
         <p:fade/>
       </p:transition>
@@ -5171,13 +5232,13 @@
   <p:clrMapOvr>
     <a:masterClrMapping/>
   </p:clrMapOvr>
-  <mc:AlternateContent xmlns:mc="http://schemas.openxmlformats.org/markup-compatibility/2006">
-    <mc:Choice xmlns:p14="http://schemas.microsoft.com/office/powerpoint/2010/main" Requires="p14">
+  <mc:AlternateContent xmlns:mc="http://schemas.openxmlformats.org/markup-compatibility/2006" xmlns:p14="http://schemas.microsoft.com/office/powerpoint/2010/main">
+    <mc:Choice Requires="p14">
       <p:transition spd="slow" p14:dur="1250">
         <p:fade/>
       </p:transition>
     </mc:Choice>
-    <mc:Fallback>
+    <mc:Fallback xmlns="">
       <p:transition spd="slow">
         <p:fade/>
       </p:transition>
@@ -5393,13 +5454,13 @@
   <p:clrMapOvr>
     <a:masterClrMapping/>
   </p:clrMapOvr>
-  <mc:AlternateContent xmlns:mc="http://schemas.openxmlformats.org/markup-compatibility/2006">
-    <mc:Choice xmlns:p14="http://schemas.microsoft.com/office/powerpoint/2010/main" Requires="p14">
+  <mc:AlternateContent xmlns:mc="http://schemas.openxmlformats.org/markup-compatibility/2006" xmlns:p14="http://schemas.microsoft.com/office/powerpoint/2010/main">
+    <mc:Choice Requires="p14">
       <p:transition spd="slow" p14:dur="1250">
         <p:fade/>
       </p:transition>
     </mc:Choice>
-    <mc:Fallback>
+    <mc:Fallback xmlns="">
       <p:transition spd="slow">
         <p:fade/>
       </p:transition>
@@ -5520,13 +5581,13 @@
   <p:clrMapOvr>
     <a:masterClrMapping/>
   </p:clrMapOvr>
-  <mc:AlternateContent xmlns:mc="http://schemas.openxmlformats.org/markup-compatibility/2006">
-    <mc:Choice xmlns:p14="http://schemas.microsoft.com/office/powerpoint/2010/main" Requires="p14">
+  <mc:AlternateContent xmlns:mc="http://schemas.openxmlformats.org/markup-compatibility/2006" xmlns:p14="http://schemas.microsoft.com/office/powerpoint/2010/main">
+    <mc:Choice Requires="p14">
       <p:transition spd="slow" p14:dur="1250">
         <p:fade/>
       </p:transition>
     </mc:Choice>
-    <mc:Fallback>
+    <mc:Fallback xmlns="">
       <p:transition spd="slow">
         <p:fade/>
       </p:transition>
@@ -7527,13 +7588,13 @@
   <p:clrMapOvr>
     <a:masterClrMapping/>
   </p:clrMapOvr>
-  <mc:AlternateContent xmlns:mc="http://schemas.openxmlformats.org/markup-compatibility/2006">
-    <mc:Choice xmlns:p14="http://schemas.microsoft.com/office/powerpoint/2010/main" Requires="p14">
+  <mc:AlternateContent xmlns:mc="http://schemas.openxmlformats.org/markup-compatibility/2006" xmlns:p14="http://schemas.microsoft.com/office/powerpoint/2010/main">
+    <mc:Choice Requires="p14">
       <p:transition spd="slow" p14:dur="1250">
         <p:fade/>
       </p:transition>
     </mc:Choice>
-    <mc:Fallback>
+    <mc:Fallback xmlns="">
       <p:transition spd="slow">
         <p:fade/>
       </p:transition>
@@ -7805,13 +7866,13 @@
   <p:clrMapOvr>
     <a:masterClrMapping/>
   </p:clrMapOvr>
-  <mc:AlternateContent xmlns:mc="http://schemas.openxmlformats.org/markup-compatibility/2006">
-    <mc:Choice xmlns:p14="http://schemas.microsoft.com/office/powerpoint/2010/main" Requires="p14">
+  <mc:AlternateContent xmlns:mc="http://schemas.openxmlformats.org/markup-compatibility/2006" xmlns:p14="http://schemas.microsoft.com/office/powerpoint/2010/main">
+    <mc:Choice Requires="p14">
       <p:transition spd="slow" p14:dur="1250">
         <p:fade/>
       </p:transition>
     </mc:Choice>
-    <mc:Fallback>
+    <mc:Fallback xmlns="">
       <p:transition spd="slow">
         <p:fade/>
       </p:transition>
@@ -8582,13 +8643,13 @@
   <p:clrMapOvr>
     <a:masterClrMapping/>
   </p:clrMapOvr>
-  <mc:AlternateContent xmlns:mc="http://schemas.openxmlformats.org/markup-compatibility/2006">
-    <mc:Choice xmlns:p14="http://schemas.microsoft.com/office/powerpoint/2010/main" Requires="p14">
+  <mc:AlternateContent xmlns:mc="http://schemas.openxmlformats.org/markup-compatibility/2006" xmlns:p14="http://schemas.microsoft.com/office/powerpoint/2010/main">
+    <mc:Choice Requires="p14">
       <p:transition spd="slow" p14:dur="1250">
         <p:fade/>
       </p:transition>
     </mc:Choice>
-    <mc:Fallback>
+    <mc:Fallback xmlns="">
       <p:transition spd="slow">
         <p:fade/>
       </p:transition>
@@ -8890,13 +8951,13 @@
   <p:clrMapOvr>
     <a:masterClrMapping/>
   </p:clrMapOvr>
-  <mc:AlternateContent xmlns:mc="http://schemas.openxmlformats.org/markup-compatibility/2006">
-    <mc:Choice xmlns:p14="http://schemas.microsoft.com/office/powerpoint/2010/main" Requires="p14">
+  <mc:AlternateContent xmlns:mc="http://schemas.openxmlformats.org/markup-compatibility/2006" xmlns:p14="http://schemas.microsoft.com/office/powerpoint/2010/main">
+    <mc:Choice Requires="p14">
       <p:transition spd="slow" p14:dur="1250">
         <p:fade/>
       </p:transition>
     </mc:Choice>
-    <mc:Fallback>
+    <mc:Fallback xmlns="">
       <p:transition spd="slow">
         <p:fade/>
       </p:transition>
@@ -9565,13 +9626,13 @@
   <p:clrMapOvr>
     <a:masterClrMapping/>
   </p:clrMapOvr>
-  <mc:AlternateContent xmlns:mc="http://schemas.openxmlformats.org/markup-compatibility/2006">
-    <mc:Choice xmlns:p14="http://schemas.microsoft.com/office/powerpoint/2010/main" Requires="p14">
+  <mc:AlternateContent xmlns:mc="http://schemas.openxmlformats.org/markup-compatibility/2006" xmlns:p14="http://schemas.microsoft.com/office/powerpoint/2010/main">
+    <mc:Choice Requires="p14">
       <p:transition spd="slow" p14:dur="1250">
         <p:fade/>
       </p:transition>
     </mc:Choice>
-    <mc:Fallback>
+    <mc:Fallback xmlns="">
       <p:transition spd="slow">
         <p:fade/>
       </p:transition>
@@ -10625,13 +10686,13 @@
   <p:clrMapOvr>
     <a:masterClrMapping/>
   </p:clrMapOvr>
-  <mc:AlternateContent xmlns:mc="http://schemas.openxmlformats.org/markup-compatibility/2006">
-    <mc:Choice xmlns:p14="http://schemas.microsoft.com/office/powerpoint/2010/main" Requires="p14">
+  <mc:AlternateContent xmlns:mc="http://schemas.openxmlformats.org/markup-compatibility/2006" xmlns:p14="http://schemas.microsoft.com/office/powerpoint/2010/main">
+    <mc:Choice Requires="p14">
       <p:transition spd="slow" p14:dur="1250">
         <p:fade/>
       </p:transition>
     </mc:Choice>
-    <mc:Fallback>
+    <mc:Fallback xmlns="">
       <p:transition spd="slow">
         <p:fade/>
       </p:transition>
@@ -11325,13 +11386,13 @@
   <p:clrMapOvr>
     <a:masterClrMapping/>
   </p:clrMapOvr>
-  <mc:AlternateContent xmlns:mc="http://schemas.openxmlformats.org/markup-compatibility/2006">
-    <mc:Choice xmlns:p14="http://schemas.microsoft.com/office/powerpoint/2010/main" Requires="p14">
+  <mc:AlternateContent xmlns:mc="http://schemas.openxmlformats.org/markup-compatibility/2006" xmlns:p14="http://schemas.microsoft.com/office/powerpoint/2010/main">
+    <mc:Choice Requires="p14">
       <p:transition spd="slow" p14:dur="1250">
         <p:fade/>
       </p:transition>
     </mc:Choice>
-    <mc:Fallback>
+    <mc:Fallback xmlns="">
       <p:transition spd="slow">
         <p:fade/>
       </p:transition>
@@ -11883,13 +11944,13 @@
   <p:clrMapOvr>
     <a:masterClrMapping/>
   </p:clrMapOvr>
-  <mc:AlternateContent xmlns:mc="http://schemas.openxmlformats.org/markup-compatibility/2006">
-    <mc:Choice xmlns:p14="http://schemas.microsoft.com/office/powerpoint/2010/main" Requires="p14">
+  <mc:AlternateContent xmlns:mc="http://schemas.openxmlformats.org/markup-compatibility/2006" xmlns:p14="http://schemas.microsoft.com/office/powerpoint/2010/main">
+    <mc:Choice Requires="p14">
       <p:transition spd="slow" p14:dur="1250">
         <p:fade/>
       </p:transition>
     </mc:Choice>
-    <mc:Fallback>
+    <mc:Fallback xmlns="">
       <p:transition spd="slow">
         <p:fade/>
       </p:transition>
@@ -12974,13 +13035,13 @@
   <p:clrMapOvr>
     <a:masterClrMapping/>
   </p:clrMapOvr>
-  <mc:AlternateContent xmlns:mc="http://schemas.openxmlformats.org/markup-compatibility/2006">
-    <mc:Choice xmlns:p14="http://schemas.microsoft.com/office/powerpoint/2010/main" Requires="p14">
+  <mc:AlternateContent xmlns:mc="http://schemas.openxmlformats.org/markup-compatibility/2006" xmlns:p14="http://schemas.microsoft.com/office/powerpoint/2010/main">
+    <mc:Choice Requires="p14">
       <p:transition spd="slow" p14:dur="1250">
         <p:fade/>
       </p:transition>
     </mc:Choice>
-    <mc:Fallback>
+    <mc:Fallback xmlns="">
       <p:transition spd="slow">
         <p:fade/>
       </p:transition>
@@ -13101,13 +13162,13 @@
   <p:clrMapOvr>
     <a:masterClrMapping/>
   </p:clrMapOvr>
-  <mc:AlternateContent xmlns:mc="http://schemas.openxmlformats.org/markup-compatibility/2006">
-    <mc:Choice xmlns:p14="http://schemas.microsoft.com/office/powerpoint/2010/main" Requires="p14">
+  <mc:AlternateContent xmlns:mc="http://schemas.openxmlformats.org/markup-compatibility/2006" xmlns:p14="http://schemas.microsoft.com/office/powerpoint/2010/main">
+    <mc:Choice Requires="p14">
       <p:transition spd="slow" p14:dur="1250">
         <p:fade/>
       </p:transition>
     </mc:Choice>
-    <mc:Fallback>
+    <mc:Fallback xmlns="">
       <p:transition spd="slow">
         <p:fade/>
       </p:transition>
@@ -13758,13 +13819,13 @@
   <p:clrMapOvr>
     <a:masterClrMapping/>
   </p:clrMapOvr>
-  <mc:AlternateContent xmlns:mc="http://schemas.openxmlformats.org/markup-compatibility/2006">
-    <mc:Choice xmlns:p14="http://schemas.microsoft.com/office/powerpoint/2010/main" Requires="p14">
+  <mc:AlternateContent xmlns:mc="http://schemas.openxmlformats.org/markup-compatibility/2006" xmlns:p14="http://schemas.microsoft.com/office/powerpoint/2010/main">
+    <mc:Choice Requires="p14">
       <p:transition spd="slow" p14:dur="1250">
         <p:fade/>
       </p:transition>
     </mc:Choice>
-    <mc:Fallback>
+    <mc:Fallback xmlns="">
       <p:transition spd="slow">
         <p:fade/>
       </p:transition>
@@ -14533,13 +14594,13 @@
   <p:clrMapOvr>
     <a:masterClrMapping/>
   </p:clrMapOvr>
-  <mc:AlternateContent xmlns:mc="http://schemas.openxmlformats.org/markup-compatibility/2006">
-    <mc:Choice xmlns:p14="http://schemas.microsoft.com/office/powerpoint/2010/main" Requires="p14">
+  <mc:AlternateContent xmlns:mc="http://schemas.openxmlformats.org/markup-compatibility/2006" xmlns:p14="http://schemas.microsoft.com/office/powerpoint/2010/main">
+    <mc:Choice Requires="p14">
       <p:transition spd="slow" p14:dur="1250">
         <p:fade/>
       </p:transition>
     </mc:Choice>
-    <mc:Fallback>
+    <mc:Fallback xmlns="">
       <p:transition spd="slow">
         <p:fade/>
       </p:transition>
@@ -14853,13 +14914,13 @@
     <p:sldLayoutId id="2147483724" r:id="rId15"/>
     <p:sldLayoutId id="2147483725" r:id="rId16"/>
   </p:sldLayoutIdLst>
-  <mc:AlternateContent xmlns:mc="http://schemas.openxmlformats.org/markup-compatibility/2006">
-    <mc:Choice xmlns:p14="http://schemas.microsoft.com/office/powerpoint/2010/main" Requires="p14">
+  <mc:AlternateContent xmlns:mc="http://schemas.openxmlformats.org/markup-compatibility/2006" xmlns:p14="http://schemas.microsoft.com/office/powerpoint/2010/main">
+    <mc:Choice Requires="p14">
       <p:transition spd="slow" p14:dur="1250">
         <p:fade/>
       </p:transition>
     </mc:Choice>
-    <mc:Fallback>
+    <mc:Fallback xmlns="">
       <p:transition spd="slow">
         <p:fade/>
       </p:transition>
@@ -16552,13 +16613,13 @@
   <p:clrMapOvr>
     <a:masterClrMapping/>
   </p:clrMapOvr>
-  <mc:AlternateContent xmlns:mc="http://schemas.openxmlformats.org/markup-compatibility/2006">
-    <mc:Choice xmlns:p14="http://schemas.microsoft.com/office/powerpoint/2010/main" Requires="p14">
+  <mc:AlternateContent xmlns:mc="http://schemas.openxmlformats.org/markup-compatibility/2006" xmlns:p14="http://schemas.microsoft.com/office/powerpoint/2010/main">
+    <mc:Choice Requires="p14">
       <p:transition spd="slow" p14:dur="1250">
         <p:fade/>
       </p:transition>
     </mc:Choice>
-    <mc:Fallback>
+    <mc:Fallback xmlns="">
       <p:transition spd="slow">
         <p:fade/>
       </p:transition>
@@ -17396,13 +17457,13 @@
   <p:clrMapOvr>
     <a:masterClrMapping/>
   </p:clrMapOvr>
-  <mc:AlternateContent xmlns:mc="http://schemas.openxmlformats.org/markup-compatibility/2006">
-    <mc:Choice xmlns:p14="http://schemas.microsoft.com/office/powerpoint/2010/main" Requires="p14">
+  <mc:AlternateContent xmlns:mc="http://schemas.openxmlformats.org/markup-compatibility/2006" xmlns:p14="http://schemas.microsoft.com/office/powerpoint/2010/main">
+    <mc:Choice Requires="p14">
       <p:transition spd="slow" p14:dur="1250">
         <p:fade/>
       </p:transition>
     </mc:Choice>
-    <mc:Fallback>
+    <mc:Fallback xmlns="">
       <p:transition spd="slow">
         <p:fade/>
       </p:transition>
@@ -17436,42 +17497,6 @@
           <a:chExt cx="0" cy="0"/>
         </a:xfrm>
       </p:grpSpPr>
-      <p:pic>
-        <p:nvPicPr>
-          <p:cNvPr id="6" name="Picture 5" descr="A diagram of a display interaction&#10;&#10;AI-generated content may be incorrect.">
-            <a:extLst>
-              <a:ext uri="{FF2B5EF4-FFF2-40B4-BE49-F238E27FC236}">
-                <a16:creationId xmlns:a16="http://schemas.microsoft.com/office/drawing/2014/main" id="{A5224648-47DE-C611-3495-B56ABF8073F1}"/>
-              </a:ext>
-            </a:extLst>
-          </p:cNvPr>
-          <p:cNvPicPr>
-            <a:picLocks noChangeAspect="1"/>
-          </p:cNvPicPr>
-          <p:nvPr/>
-        </p:nvPicPr>
-        <p:blipFill>
-          <a:blip r:embed="rId3">
-            <a:extLst>
-              <a:ext uri="{28A0092B-C50C-407E-A947-70E740481C1C}">
-                <a14:useLocalDpi xmlns:a14="http://schemas.microsoft.com/office/drawing/2010/main" val="0"/>
-              </a:ext>
-            </a:extLst>
-          </a:blip>
-          <a:stretch>
-            <a:fillRect/>
-          </a:stretch>
-        </p:blipFill>
-        <p:spPr>
-          <a:xfrm>
-            <a:off x="457202" y="499029"/>
-            <a:ext cx="5426764" cy="2550579"/>
-          </a:xfrm>
-          <a:prstGeom prst="rect">
-            <a:avLst/>
-          </a:prstGeom>
-        </p:spPr>
-      </p:pic>
       <p:sp>
         <p:nvSpPr>
           <p:cNvPr id="27" name="Rectangle 26">
@@ -17553,7 +17578,7 @@
           <p:nvPr/>
         </p:nvPicPr>
         <p:blipFill>
-          <a:blip r:embed="rId4">
+          <a:blip r:embed="rId3">
             <a:extLst>
               <a:ext uri="{28A0092B-C50C-407E-A947-70E740481C1C}">
                 <a14:useLocalDpi xmlns:a14="http://schemas.microsoft.com/office/drawing/2010/main" val="0"/>
@@ -17721,7 +17746,7 @@
           <p:nvPr/>
         </p:nvPicPr>
         <p:blipFill>
-          <a:blip r:embed="rId5">
+          <a:blip r:embed="rId4">
             <a:extLst>
               <a:ext uri="{28A0092B-C50C-407E-A947-70E740481C1C}">
                 <a14:useLocalDpi xmlns:a14="http://schemas.microsoft.com/office/drawing/2010/main" val="0"/>
@@ -17744,10 +17769,46 @@
       </p:pic>
       <p:pic>
         <p:nvPicPr>
-          <p:cNvPr id="10" name="Picture 9" descr="A diagram of a product information&#10;&#10;AI-generated content may be incorrect.">
+          <p:cNvPr id="4" name="Picture 3" descr="A diagram of a website navigation&#10;&#10;Description automatically generated">
             <a:extLst>
               <a:ext uri="{FF2B5EF4-FFF2-40B4-BE49-F238E27FC236}">
-                <a16:creationId xmlns:a16="http://schemas.microsoft.com/office/drawing/2014/main" id="{F53EF8E2-5485-9252-6027-77F39768B638}"/>
+                <a16:creationId xmlns:a16="http://schemas.microsoft.com/office/drawing/2014/main" id="{84EF8154-6523-B7CE-303E-F27AB2BBFA32}"/>
+              </a:ext>
+            </a:extLst>
+          </p:cNvPr>
+          <p:cNvPicPr>
+            <a:picLocks noChangeAspect="1"/>
+          </p:cNvPicPr>
+          <p:nvPr/>
+        </p:nvPicPr>
+        <p:blipFill>
+          <a:blip r:embed="rId5">
+            <a:extLst>
+              <a:ext uri="{28A0092B-C50C-407E-A947-70E740481C1C}">
+                <a14:useLocalDpi xmlns:a14="http://schemas.microsoft.com/office/drawing/2010/main" val="0"/>
+              </a:ext>
+            </a:extLst>
+          </a:blip>
+          <a:stretch>
+            <a:fillRect/>
+          </a:stretch>
+        </p:blipFill>
+        <p:spPr>
+          <a:xfrm>
+            <a:off x="256252" y="690537"/>
+            <a:ext cx="5615711" cy="1888921"/>
+          </a:xfrm>
+          <a:prstGeom prst="rect">
+            <a:avLst/>
+          </a:prstGeom>
+        </p:spPr>
+      </p:pic>
+      <p:pic>
+        <p:nvPicPr>
+          <p:cNvPr id="7" name="Picture 6" descr="A diagram of a product database&#10;&#10;Description automatically generated">
+            <a:extLst>
+              <a:ext uri="{FF2B5EF4-FFF2-40B4-BE49-F238E27FC236}">
+                <a16:creationId xmlns:a16="http://schemas.microsoft.com/office/drawing/2014/main" id="{EBCC8D86-9468-B35B-37A4-D6C55A854E72}"/>
               </a:ext>
             </a:extLst>
           </p:cNvPr>
@@ -17770,8 +17831,8 @@
         </p:blipFill>
         <p:spPr>
           <a:xfrm>
-            <a:off x="6320037" y="3631096"/>
-            <a:ext cx="5088589" cy="2760560"/>
+            <a:off x="6483850" y="3705014"/>
+            <a:ext cx="5366020" cy="2905170"/>
           </a:xfrm>
           <a:prstGeom prst="rect">
             <a:avLst/>
@@ -17788,13 +17849,13 @@
   <p:clrMapOvr>
     <a:masterClrMapping/>
   </p:clrMapOvr>
-  <mc:AlternateContent xmlns:mc="http://schemas.openxmlformats.org/markup-compatibility/2006">
-    <mc:Choice xmlns:p14="http://schemas.microsoft.com/office/powerpoint/2010/main" Requires="p14">
+  <mc:AlternateContent xmlns:mc="http://schemas.openxmlformats.org/markup-compatibility/2006" xmlns:p14="http://schemas.microsoft.com/office/powerpoint/2010/main">
+    <mc:Choice Requires="p14">
       <p:transition spd="slow" p14:dur="1250">
         <p:fade/>
       </p:transition>
     </mc:Choice>
-    <mc:Fallback>
+    <mc:Fallback xmlns="">
       <p:transition spd="slow">
         <p:fade/>
       </p:transition>
@@ -18555,13 +18616,13 @@
   <p:clrMapOvr>
     <a:masterClrMapping/>
   </p:clrMapOvr>
-  <mc:AlternateContent xmlns:mc="http://schemas.openxmlformats.org/markup-compatibility/2006">
-    <mc:Choice xmlns:p14="http://schemas.microsoft.com/office/powerpoint/2010/main" Requires="p14">
+  <mc:AlternateContent xmlns:mc="http://schemas.openxmlformats.org/markup-compatibility/2006" xmlns:p14="http://schemas.microsoft.com/office/powerpoint/2010/main">
+    <mc:Choice Requires="p14">
       <p:transition spd="slow" p14:dur="1250">
         <p:fade/>
       </p:transition>
     </mc:Choice>
-    <mc:Fallback>
+    <mc:Fallback xmlns="">
       <p:transition spd="slow">
         <p:fade/>
       </p:transition>
@@ -19439,13 +19500,13 @@
   <p:clrMapOvr>
     <a:masterClrMapping/>
   </p:clrMapOvr>
-  <mc:AlternateContent xmlns:mc="http://schemas.openxmlformats.org/markup-compatibility/2006">
-    <mc:Choice xmlns:p14="http://schemas.microsoft.com/office/powerpoint/2010/main" Requires="p14">
+  <mc:AlternateContent xmlns:mc="http://schemas.openxmlformats.org/markup-compatibility/2006" xmlns:p14="http://schemas.microsoft.com/office/powerpoint/2010/main">
+    <mc:Choice Requires="p14">
       <p:transition spd="slow" p14:dur="1250">
         <p:fade/>
       </p:transition>
     </mc:Choice>
-    <mc:Fallback>
+    <mc:Fallback xmlns="">
       <p:transition spd="slow">
         <p:fade/>
       </p:transition>
@@ -20246,6 +20307,26 @@
 </file>
 
 <file path=customXml/item1.xml><?xml version="1.0" encoding="utf-8"?>
+<p:properties xmlns:p="http://schemas.microsoft.com/office/2006/metadata/properties" xmlns:xsi="http://www.w3.org/2001/XMLSchema-instance" xmlns:pc="http://schemas.microsoft.com/office/infopath/2007/PartnerControls">
+  <documentManagement>
+    <_ip_UnifiedCompliancePolicyUIAction xmlns="http://schemas.microsoft.com/sharepoint/v3" xsi:nil="true"/>
+    <Image xmlns="71af3243-3dd4-4a8d-8c0d-dd76da1f02a5">
+      <Url xsi:nil="true"/>
+      <Description xsi:nil="true"/>
+    </Image>
+    <Status xmlns="71af3243-3dd4-4a8d-8c0d-dd76da1f02a5">Not started</Status>
+    <Background xmlns="71af3243-3dd4-4a8d-8c0d-dd76da1f02a5">false</Background>
+    <_ip_UnifiedCompliancePolicyProperties xmlns="http://schemas.microsoft.com/sharepoint/v3" xsi:nil="true"/>
+    <ImageTagsTaxHTField xmlns="71af3243-3dd4-4a8d-8c0d-dd76da1f02a5">
+      <Terms xmlns="http://schemas.microsoft.com/office/infopath/2007/PartnerControls"/>
+    </ImageTagsTaxHTField>
+    <TaxCatchAll xmlns="230e9df3-be65-4c73-a93b-d1236ebd677e" xsi:nil="true"/>
+    <MediaServiceKeyPoints xmlns="71af3243-3dd4-4a8d-8c0d-dd76da1f02a5" xsi:nil="true"/>
+  </documentManagement>
+</p:properties>
+</file>
+
+<file path=customXml/item2.xml><?xml version="1.0" encoding="utf-8"?>
 <ct:contentTypeSchema xmlns:ct="http://schemas.microsoft.com/office/2006/metadata/contentType" xmlns:ma="http://schemas.microsoft.com/office/2006/metadata/properties/metaAttributes" ct:_="" ma:_="" ma:contentTypeName="Document" ma:contentTypeID="0x01010079F111ED35F8CC479449609E8A0923A6" ma:contentTypeVersion="28" ma:contentTypeDescription="Create a new document." ma:contentTypeScope="" ma:versionID="60f5a4f2d2b0abadcf532d48ebf9cb71">
   <xsd:schema xmlns:xsd="http://www.w3.org/2001/XMLSchema" xmlns:xs="http://www.w3.org/2001/XMLSchema" xmlns:p="http://schemas.microsoft.com/office/2006/metadata/properties" xmlns:ns1="http://schemas.microsoft.com/sharepoint/v3" xmlns:ns2="71af3243-3dd4-4a8d-8c0d-dd76da1f02a5" xmlns:ns3="16c05727-aa75-4e4a-9b5f-8a80a1165891" xmlns:ns4="230e9df3-be65-4c73-a93b-d1236ebd677e" targetNamespace="http://schemas.microsoft.com/office/2006/metadata/properties" ma:root="true" ma:fieldsID="7dd78129e6a1811f84807ad11c651531" ns1:_="" ns2:_="" ns3:_="" ns4:_="">
     <xsd:import namespace="http://schemas.microsoft.com/sharepoint/v3"/>
@@ -20557,26 +20638,6 @@
 </ct:contentTypeSchema>
 </file>
 
-<file path=customXml/item2.xml><?xml version="1.0" encoding="utf-8"?>
-<p:properties xmlns:p="http://schemas.microsoft.com/office/2006/metadata/properties" xmlns:xsi="http://www.w3.org/2001/XMLSchema-instance" xmlns:pc="http://schemas.microsoft.com/office/infopath/2007/PartnerControls">
-  <documentManagement>
-    <_ip_UnifiedCompliancePolicyUIAction xmlns="http://schemas.microsoft.com/sharepoint/v3" xsi:nil="true"/>
-    <Image xmlns="71af3243-3dd4-4a8d-8c0d-dd76da1f02a5">
-      <Url xsi:nil="true"/>
-      <Description xsi:nil="true"/>
-    </Image>
-    <Status xmlns="71af3243-3dd4-4a8d-8c0d-dd76da1f02a5">Not started</Status>
-    <Background xmlns="71af3243-3dd4-4a8d-8c0d-dd76da1f02a5">false</Background>
-    <_ip_UnifiedCompliancePolicyProperties xmlns="http://schemas.microsoft.com/sharepoint/v3" xsi:nil="true"/>
-    <ImageTagsTaxHTField xmlns="71af3243-3dd4-4a8d-8c0d-dd76da1f02a5">
-      <Terms xmlns="http://schemas.microsoft.com/office/infopath/2007/PartnerControls"/>
-    </ImageTagsTaxHTField>
-    <TaxCatchAll xmlns="230e9df3-be65-4c73-a93b-d1236ebd677e" xsi:nil="true"/>
-    <MediaServiceKeyPoints xmlns="71af3243-3dd4-4a8d-8c0d-dd76da1f02a5" xsi:nil="true"/>
-  </documentManagement>
-</p:properties>
-</file>
-
 <file path=customXml/item3.xml><?xml version="1.0" encoding="utf-8"?>
 <?mso-contentType ?>
 <FormTemplates xmlns="http://schemas.microsoft.com/sharepoint/v3/contenttype/forms">
@@ -20587,6 +20648,25 @@
 </file>
 
 <file path=customXml/itemProps1.xml><?xml version="1.0" encoding="utf-8"?>
+<ds:datastoreItem xmlns:ds="http://schemas.openxmlformats.org/officeDocument/2006/customXml" ds:itemID="{1F342EE1-43E5-4AFB-895D-B61B9656DC14}">
+  <ds:schemaRefs>
+    <ds:schemaRef ds:uri="http://purl.org/dc/elements/1.1/"/>
+    <ds:schemaRef ds:uri="71af3243-3dd4-4a8d-8c0d-dd76da1f02a5"/>
+    <ds:schemaRef ds:uri="http://www.w3.org/XML/1998/namespace"/>
+    <ds:schemaRef ds:uri="http://purl.org/dc/terms/"/>
+    <ds:schemaRef ds:uri="http://schemas.microsoft.com/office/2006/documentManagement/types"/>
+    <ds:schemaRef ds:uri="http://purl.org/dc/dcmitype/"/>
+    <ds:schemaRef ds:uri="http://schemas.microsoft.com/sharepoint/v3"/>
+    <ds:schemaRef ds:uri="230e9df3-be65-4c73-a93b-d1236ebd677e"/>
+    <ds:schemaRef ds:uri="http://schemas.microsoft.com/office/2006/metadata/properties"/>
+    <ds:schemaRef ds:uri="http://schemas.microsoft.com/office/infopath/2007/PartnerControls"/>
+    <ds:schemaRef ds:uri="http://schemas.openxmlformats.org/package/2006/metadata/core-properties"/>
+    <ds:schemaRef ds:uri="16c05727-aa75-4e4a-9b5f-8a80a1165891"/>
+  </ds:schemaRefs>
+</ds:datastoreItem>
+</file>
+
+<file path=customXml/itemProps2.xml><?xml version="1.0" encoding="utf-8"?>
 <ds:datastoreItem xmlns:ds="http://schemas.openxmlformats.org/officeDocument/2006/customXml" ds:itemID="{797783A8-901D-4F73-81D7-AA6841BEB3D7}">
   <ds:schemaRefs>
     <ds:schemaRef ds:uri="http://schemas.microsoft.com/office/2006/metadata/contentType"/>
@@ -20607,25 +20687,6 @@
 </ds:datastoreItem>
 </file>
 
-<file path=customXml/itemProps2.xml><?xml version="1.0" encoding="utf-8"?>
-<ds:datastoreItem xmlns:ds="http://schemas.openxmlformats.org/officeDocument/2006/customXml" ds:itemID="{1F342EE1-43E5-4AFB-895D-B61B9656DC14}">
-  <ds:schemaRefs>
-    <ds:schemaRef ds:uri="http://schemas.microsoft.com/office/2006/documentManagement/types"/>
-    <ds:schemaRef ds:uri="http://schemas.microsoft.com/sharepoint/v3"/>
-    <ds:schemaRef ds:uri="http://purl.org/dc/dcmitype/"/>
-    <ds:schemaRef ds:uri="http://purl.org/dc/elements/1.1/"/>
-    <ds:schemaRef ds:uri="http://purl.org/dc/terms/"/>
-    <ds:schemaRef ds:uri="http://schemas.microsoft.com/office/infopath/2007/PartnerControls"/>
-    <ds:schemaRef ds:uri="http://schemas.microsoft.com/office/2006/metadata/properties"/>
-    <ds:schemaRef ds:uri="http://www.w3.org/XML/1998/namespace"/>
-    <ds:schemaRef ds:uri="http://schemas.openxmlformats.org/package/2006/metadata/core-properties"/>
-    <ds:schemaRef ds:uri="230e9df3-be65-4c73-a93b-d1236ebd677e"/>
-    <ds:schemaRef ds:uri="16c05727-aa75-4e4a-9b5f-8a80a1165891"/>
-    <ds:schemaRef ds:uri="71af3243-3dd4-4a8d-8c0d-dd76da1f02a5"/>
-  </ds:schemaRefs>
-</ds:datastoreItem>
-</file>
-
 <file path=customXml/itemProps3.xml><?xml version="1.0" encoding="utf-8"?>
 <ds:datastoreItem xmlns:ds="http://schemas.openxmlformats.org/officeDocument/2006/customXml" ds:itemID="{2F49CD38-5B57-4682-9FCE-B9174068D0AE}">
   <ds:schemaRefs>
